--- a/提出（学生が出す）ー岡本/PM/17741 swostika/17741.10.24.pptx
+++ b/提出（学生が出す）ー岡本/PM/17741 swostika/17741.10.24.pptx
@@ -8,7 +8,8 @@
     <p:sldId id="256" r:id="rId2"/>
     <p:sldId id="257" r:id="rId3"/>
     <p:sldId id="259" r:id="rId4"/>
-    <p:sldId id="258" r:id="rId5"/>
+    <p:sldId id="260" r:id="rId5"/>
+    <p:sldId id="258" r:id="rId6"/>
   </p:sldIdLst>
   <p:sldSz cx="12192000" cy="6858000"/>
   <p:notesSz cx="6858000" cy="9144000"/>
@@ -306,7 +307,7 @@
           <a:p>
             <a:fld id="{D8E1ABD9-EB34-4A42-9CB3-A061BA2E6264}" type="datetimeFigureOut">
               <a:rPr kumimoji="1" lang="ja-JP" altLang="en-US" smtClean="0"/>
-              <a:t>2019/10/24</a:t>
+              <a:t>2019/10/31</a:t>
             </a:fld>
             <a:endParaRPr kumimoji="1" lang="ja-JP" altLang="en-US"/>
           </a:p>
@@ -742,7 +743,7 @@
           <a:p>
             <a:fld id="{D8E1ABD9-EB34-4A42-9CB3-A061BA2E6264}" type="datetimeFigureOut">
               <a:rPr kumimoji="1" lang="ja-JP" altLang="en-US" smtClean="0"/>
-              <a:t>2019/10/24</a:t>
+              <a:t>2019/10/31</a:t>
             </a:fld>
             <a:endParaRPr kumimoji="1" lang="ja-JP" altLang="en-US"/>
           </a:p>
@@ -992,7 +993,7 @@
           <a:p>
             <a:fld id="{D8E1ABD9-EB34-4A42-9CB3-A061BA2E6264}" type="datetimeFigureOut">
               <a:rPr kumimoji="1" lang="ja-JP" altLang="en-US" smtClean="0"/>
-              <a:t>2019/10/24</a:t>
+              <a:t>2019/10/31</a:t>
             </a:fld>
             <a:endParaRPr kumimoji="1" lang="ja-JP" altLang="en-US"/>
           </a:p>
@@ -1300,7 +1301,7 @@
           <a:p>
             <a:fld id="{D8E1ABD9-EB34-4A42-9CB3-A061BA2E6264}" type="datetimeFigureOut">
               <a:rPr kumimoji="1" lang="ja-JP" altLang="en-US" smtClean="0"/>
-              <a:t>2019/10/24</a:t>
+              <a:t>2019/10/31</a:t>
             </a:fld>
             <a:endParaRPr kumimoji="1" lang="ja-JP" altLang="en-US"/>
           </a:p>
@@ -1618,7 +1619,7 @@
           <a:p>
             <a:fld id="{D8E1ABD9-EB34-4A42-9CB3-A061BA2E6264}" type="datetimeFigureOut">
               <a:rPr kumimoji="1" lang="ja-JP" altLang="en-US" smtClean="0"/>
-              <a:t>2019/10/24</a:t>
+              <a:t>2019/10/31</a:t>
             </a:fld>
             <a:endParaRPr kumimoji="1" lang="ja-JP" altLang="en-US"/>
           </a:p>
@@ -1920,7 +1921,7 @@
           <a:p>
             <a:fld id="{D8E1ABD9-EB34-4A42-9CB3-A061BA2E6264}" type="datetimeFigureOut">
               <a:rPr kumimoji="1" lang="ja-JP" altLang="en-US" smtClean="0"/>
-              <a:t>2019/10/24</a:t>
+              <a:t>2019/10/31</a:t>
             </a:fld>
             <a:endParaRPr kumimoji="1" lang="ja-JP" altLang="en-US"/>
           </a:p>
@@ -2287,7 +2288,7 @@
           <a:p>
             <a:fld id="{D8E1ABD9-EB34-4A42-9CB3-A061BA2E6264}" type="datetimeFigureOut">
               <a:rPr kumimoji="1" lang="ja-JP" altLang="en-US" smtClean="0"/>
-              <a:t>2019/10/24</a:t>
+              <a:t>2019/10/31</a:t>
             </a:fld>
             <a:endParaRPr kumimoji="1" lang="ja-JP" altLang="en-US"/>
           </a:p>
@@ -2493,7 +2494,7 @@
           <a:p>
             <a:fld id="{D8E1ABD9-EB34-4A42-9CB3-A061BA2E6264}" type="datetimeFigureOut">
               <a:rPr kumimoji="1" lang="ja-JP" altLang="en-US" smtClean="0"/>
-              <a:t>2019/10/24</a:t>
+              <a:t>2019/10/31</a:t>
             </a:fld>
             <a:endParaRPr kumimoji="1" lang="ja-JP" altLang="en-US"/>
           </a:p>
@@ -2705,7 +2706,7 @@
           <a:p>
             <a:fld id="{D8E1ABD9-EB34-4A42-9CB3-A061BA2E6264}" type="datetimeFigureOut">
               <a:rPr kumimoji="1" lang="ja-JP" altLang="en-US" smtClean="0"/>
-              <a:t>2019/10/24</a:t>
+              <a:t>2019/10/31</a:t>
             </a:fld>
             <a:endParaRPr kumimoji="1" lang="ja-JP" altLang="en-US"/>
           </a:p>
@@ -2907,7 +2908,7 @@
           <a:p>
             <a:fld id="{D8E1ABD9-EB34-4A42-9CB3-A061BA2E6264}" type="datetimeFigureOut">
               <a:rPr kumimoji="1" lang="ja-JP" altLang="en-US" smtClean="0"/>
-              <a:t>2019/10/24</a:t>
+              <a:t>2019/10/31</a:t>
             </a:fld>
             <a:endParaRPr kumimoji="1" lang="ja-JP" altLang="en-US"/>
           </a:p>
@@ -3157,7 +3158,7 @@
           <a:p>
             <a:fld id="{D8E1ABD9-EB34-4A42-9CB3-A061BA2E6264}" type="datetimeFigureOut">
               <a:rPr kumimoji="1" lang="ja-JP" altLang="en-US" smtClean="0"/>
-              <a:t>2019/10/24</a:t>
+              <a:t>2019/10/31</a:t>
             </a:fld>
             <a:endParaRPr kumimoji="1" lang="ja-JP" altLang="en-US"/>
           </a:p>
@@ -3457,7 +3458,7 @@
           <a:p>
             <a:fld id="{D8E1ABD9-EB34-4A42-9CB3-A061BA2E6264}" type="datetimeFigureOut">
               <a:rPr kumimoji="1" lang="ja-JP" altLang="en-US" smtClean="0"/>
-              <a:t>2019/10/24</a:t>
+              <a:t>2019/10/31</a:t>
             </a:fld>
             <a:endParaRPr kumimoji="1" lang="ja-JP" altLang="en-US"/>
           </a:p>
@@ -3903,7 +3904,7 @@
           <a:p>
             <a:fld id="{D8E1ABD9-EB34-4A42-9CB3-A061BA2E6264}" type="datetimeFigureOut">
               <a:rPr kumimoji="1" lang="ja-JP" altLang="en-US" smtClean="0"/>
-              <a:t>2019/10/24</a:t>
+              <a:t>2019/10/31</a:t>
             </a:fld>
             <a:endParaRPr kumimoji="1" lang="ja-JP" altLang="en-US"/>
           </a:p>
@@ -4021,7 +4022,7 @@
           <a:p>
             <a:fld id="{D8E1ABD9-EB34-4A42-9CB3-A061BA2E6264}" type="datetimeFigureOut">
               <a:rPr kumimoji="1" lang="ja-JP" altLang="en-US" smtClean="0"/>
-              <a:t>2019/10/24</a:t>
+              <a:t>2019/10/31</a:t>
             </a:fld>
             <a:endParaRPr kumimoji="1" lang="ja-JP" altLang="en-US"/>
           </a:p>
@@ -4116,7 +4117,7 @@
           <a:p>
             <a:fld id="{D8E1ABD9-EB34-4A42-9CB3-A061BA2E6264}" type="datetimeFigureOut">
               <a:rPr kumimoji="1" lang="ja-JP" altLang="en-US" smtClean="0"/>
-              <a:t>2019/10/24</a:t>
+              <a:t>2019/10/31</a:t>
             </a:fld>
             <a:endParaRPr kumimoji="1" lang="ja-JP" altLang="en-US"/>
           </a:p>
@@ -4403,7 +4404,7 @@
           <a:p>
             <a:fld id="{D8E1ABD9-EB34-4A42-9CB3-A061BA2E6264}" type="datetimeFigureOut">
               <a:rPr kumimoji="1" lang="ja-JP" altLang="en-US" smtClean="0"/>
-              <a:t>2019/10/24</a:t>
+              <a:t>2019/10/31</a:t>
             </a:fld>
             <a:endParaRPr kumimoji="1" lang="ja-JP" altLang="en-US"/>
           </a:p>
@@ -4686,7 +4687,7 @@
           <a:p>
             <a:fld id="{D8E1ABD9-EB34-4A42-9CB3-A061BA2E6264}" type="datetimeFigureOut">
               <a:rPr kumimoji="1" lang="ja-JP" altLang="en-US" smtClean="0"/>
-              <a:t>2019/10/24</a:t>
+              <a:t>2019/10/31</a:t>
             </a:fld>
             <a:endParaRPr kumimoji="1" lang="ja-JP" altLang="en-US"/>
           </a:p>
@@ -5124,7 +5125,7 @@
           <a:p>
             <a:fld id="{D8E1ABD9-EB34-4A42-9CB3-A061BA2E6264}" type="datetimeFigureOut">
               <a:rPr kumimoji="1" lang="ja-JP" altLang="en-US" smtClean="0"/>
-              <a:t>2019/10/24</a:t>
+              <a:t>2019/10/31</a:t>
             </a:fld>
             <a:endParaRPr kumimoji="1" lang="ja-JP" altLang="en-US"/>
           </a:p>
@@ -5735,66 +5736,6 @@
           </a:p>
         </p:txBody>
       </p:sp>
-      <p:pic>
-        <p:nvPicPr>
-          <p:cNvPr id="1026" name="Picture 2" descr="https://image.shutterstock.com/image-photo/various-asian-meals-on-rustic-260nw-1125066479.jpg"/>
-          <p:cNvPicPr>
-            <a:picLocks noChangeAspect="1" noChangeArrowheads="1"/>
-          </p:cNvPicPr>
-          <p:nvPr/>
-        </p:nvPicPr>
-        <p:blipFill rotWithShape="1">
-          <a:blip r:embed="rId2">
-            <a:extLst>
-              <a:ext uri="{28A0092B-C50C-407E-A947-70E740481C1C}">
-                <a14:useLocalDpi xmlns:a14="http://schemas.microsoft.com/office/drawing/2010/main" val="0"/>
-              </a:ext>
-            </a:extLst>
-          </a:blip>
-          <a:srcRect b="21517"/>
-          <a:stretch/>
-        </p:blipFill>
-        <p:spPr bwMode="auto">
-          <a:xfrm>
-            <a:off x="2420651" y="2102844"/>
-            <a:ext cx="9539142" cy="4027789"/>
-          </a:xfrm>
-          <a:prstGeom prst="rect">
-            <a:avLst/>
-          </a:prstGeom>
-          <a:solidFill>
-            <a:srgbClr val="FFFFFF">
-              <a:shade val="85000"/>
-            </a:srgbClr>
-          </a:solidFill>
-          <a:ln w="88900" cap="sq">
-            <a:solidFill>
-              <a:srgbClr val="FFFFFF"/>
-            </a:solidFill>
-            <a:miter lim="800000"/>
-          </a:ln>
-          <a:effectLst>
-            <a:outerShdw blurRad="55000" dist="18000" dir="5400000" algn="tl" rotWithShape="0">
-              <a:srgbClr val="000000">
-                <a:alpha val="40000"/>
-              </a:srgbClr>
-            </a:outerShdw>
-          </a:effectLst>
-          <a:scene3d>
-            <a:camera prst="orthographicFront"/>
-            <a:lightRig rig="twoPt" dir="t">
-              <a:rot lat="0" lon="0" rev="7200000"/>
-            </a:lightRig>
-          </a:scene3d>
-          <a:sp3d>
-            <a:bevelT w="25400" h="19050"/>
-            <a:contourClr>
-              <a:srgbClr val="FFFFFF"/>
-            </a:contourClr>
-          </a:sp3d>
-          <a:extLst/>
-        </p:spPr>
-      </p:pic>
       <p:sp>
         <p:nvSpPr>
           <p:cNvPr id="3" name="テキスト ボックス 2"/>
@@ -6149,7 +6090,37 @@
       </p:graphicFrame>
       <p:pic>
         <p:nvPicPr>
-          <p:cNvPr id="8" name="図 7"/>
+          <p:cNvPr id="6" name="図 5"/>
+          <p:cNvPicPr>
+            <a:picLocks noChangeAspect="1"/>
+          </p:cNvPicPr>
+          <p:nvPr/>
+        </p:nvPicPr>
+        <p:blipFill>
+          <a:blip r:embed="rId2">
+            <a:extLst>
+              <a:ext uri="{28A0092B-C50C-407E-A947-70E740481C1C}">
+                <a14:useLocalDpi xmlns:a14="http://schemas.microsoft.com/office/drawing/2010/main" val="0"/>
+              </a:ext>
+            </a:extLst>
+          </a:blip>
+          <a:stretch>
+            <a:fillRect/>
+          </a:stretch>
+        </p:blipFill>
+        <p:spPr>
+          <a:xfrm>
+            <a:off x="3500845" y="1909021"/>
+            <a:ext cx="8529302" cy="4434356"/>
+          </a:xfrm>
+          <a:prstGeom prst="rect">
+            <a:avLst/>
+          </a:prstGeom>
+        </p:spPr>
+      </p:pic>
+      <p:pic>
+        <p:nvPicPr>
+          <p:cNvPr id="7" name="図 6"/>
           <p:cNvPicPr>
             <a:picLocks noChangeAspect="1"/>
           </p:cNvPicPr>
@@ -6169,44 +6140,12 @@
         </p:blipFill>
         <p:spPr>
           <a:xfrm>
-            <a:off x="245851" y="2562028"/>
-            <a:ext cx="3266276" cy="1922433"/>
+            <a:off x="104504" y="1579462"/>
+            <a:ext cx="3396342" cy="2838745"/>
           </a:xfrm>
           <a:prstGeom prst="rect">
             <a:avLst/>
           </a:prstGeom>
-          <a:solidFill>
-            <a:srgbClr val="FFFFFF">
-              <a:shade val="85000"/>
-            </a:srgbClr>
-          </a:solidFill>
-          <a:ln w="190500" cap="sq">
-            <a:solidFill>
-              <a:srgbClr val="FFFFFF"/>
-            </a:solidFill>
-            <a:miter lim="800000"/>
-          </a:ln>
-          <a:effectLst>
-            <a:outerShdw blurRad="65000" dist="50800" dir="12900000" kx="195000" ky="145000" algn="tl" rotWithShape="0">
-              <a:srgbClr val="000000">
-                <a:alpha val="30000"/>
-              </a:srgbClr>
-            </a:outerShdw>
-          </a:effectLst>
-          <a:scene3d>
-            <a:camera prst="orthographicFront">
-              <a:rot lat="0" lon="0" rev="360000"/>
-            </a:camera>
-            <a:lightRig rig="twoPt" dir="t">
-              <a:rot lat="0" lon="0" rev="7200000"/>
-            </a:lightRig>
-          </a:scene3d>
-          <a:sp3d contourW="12700">
-            <a:bevelT w="25400" h="19050"/>
-            <a:contourClr>
-              <a:srgbClr val="969696"/>
-            </a:contourClr>
-          </a:sp3d>
         </p:spPr>
       </p:pic>
     </p:spTree>
@@ -6497,7 +6436,6 @@
               <a:rPr kumimoji="1" lang="ja-JP" altLang="en-US" dirty="0"/>
               <a:t>円</a:t>
             </a:r>
-            <a:endParaRPr kumimoji="1" lang="ja-JP" altLang="en-US" dirty="0"/>
           </a:p>
         </p:txBody>
       </p:sp>
@@ -7409,6 +7347,264 @@
 </file>
 
 <file path=ppt/slides/slide4.xml><?xml version="1.0" encoding="utf-8"?>
+<p:sld xmlns:a="http://schemas.openxmlformats.org/drawingml/2006/main" xmlns:r="http://schemas.openxmlformats.org/officeDocument/2006/relationships" xmlns:p="http://schemas.openxmlformats.org/presentationml/2006/main">
+  <p:cSld>
+    <p:spTree>
+      <p:nvGrpSpPr>
+        <p:cNvPr id="1" name=""/>
+        <p:cNvGrpSpPr/>
+        <p:nvPr/>
+      </p:nvGrpSpPr>
+      <p:grpSpPr>
+        <a:xfrm>
+          <a:off x="0" y="0"/>
+          <a:ext cx="0" cy="0"/>
+          <a:chOff x="0" y="0"/>
+          <a:chExt cx="0" cy="0"/>
+        </a:xfrm>
+      </p:grpSpPr>
+      <p:sp>
+        <p:nvSpPr>
+          <p:cNvPr id="2" name="角丸四角形 1"/>
+          <p:cNvSpPr/>
+          <p:nvPr/>
+        </p:nvSpPr>
+        <p:spPr>
+          <a:xfrm>
+            <a:off x="143691" y="182880"/>
+            <a:ext cx="4885509" cy="2547257"/>
+          </a:xfrm>
+          <a:prstGeom prst="roundRect">
+            <a:avLst/>
+          </a:prstGeom>
+        </p:spPr>
+        <p:style>
+          <a:lnRef idx="2">
+            <a:schemeClr val="accent1">
+              <a:shade val="50000"/>
+            </a:schemeClr>
+          </a:lnRef>
+          <a:fillRef idx="1">
+            <a:schemeClr val="accent1"/>
+          </a:fillRef>
+          <a:effectRef idx="0">
+            <a:schemeClr val="accent1"/>
+          </a:effectRef>
+          <a:fontRef idx="minor">
+            <a:schemeClr val="lt1"/>
+          </a:fontRef>
+        </p:style>
+        <p:txBody>
+          <a:bodyPr rtlCol="0" anchor="ctr"/>
+          <a:lstStyle/>
+          <a:p>
+            <a:pPr algn="ctr"/>
+            <a:r>
+              <a:rPr kumimoji="1" lang="ja-JP" altLang="en-US" dirty="0" smtClean="0"/>
+              <a:t>ハドドリンク　ビン：３５００円</a:t>
+            </a:r>
+            <a:endParaRPr kumimoji="1" lang="en-US" altLang="ja-JP" dirty="0" smtClean="0"/>
+          </a:p>
+          <a:p>
+            <a:pPr algn="ctr"/>
+            <a:r>
+              <a:rPr kumimoji="1" lang="ja-JP" altLang="en-US" dirty="0" smtClean="0"/>
+              <a:t>半分：１８００円</a:t>
+            </a:r>
+            <a:endParaRPr kumimoji="1" lang="en-US" altLang="ja-JP" dirty="0" smtClean="0"/>
+          </a:p>
+          <a:p>
+            <a:pPr algn="ctr"/>
+            <a:r>
+              <a:rPr kumimoji="1" lang="ja-JP" altLang="en-US" dirty="0" smtClean="0"/>
+              <a:t>ソフトドリンク：２５０円</a:t>
+            </a:r>
+            <a:endParaRPr kumimoji="1" lang="ja-JP" altLang="en-US" dirty="0"/>
+          </a:p>
+        </p:txBody>
+      </p:sp>
+      <p:sp>
+        <p:nvSpPr>
+          <p:cNvPr id="3" name="楕円 2"/>
+          <p:cNvSpPr/>
+          <p:nvPr/>
+        </p:nvSpPr>
+        <p:spPr>
+          <a:xfrm>
+            <a:off x="6622867" y="6530"/>
+            <a:ext cx="4297680" cy="2899955"/>
+          </a:xfrm>
+          <a:prstGeom prst="ellipse">
+            <a:avLst/>
+          </a:prstGeom>
+        </p:spPr>
+        <p:style>
+          <a:lnRef idx="2">
+            <a:schemeClr val="accent1">
+              <a:shade val="50000"/>
+            </a:schemeClr>
+          </a:lnRef>
+          <a:fillRef idx="1">
+            <a:schemeClr val="accent1"/>
+          </a:fillRef>
+          <a:effectRef idx="0">
+            <a:schemeClr val="accent1"/>
+          </a:effectRef>
+          <a:fontRef idx="minor">
+            <a:schemeClr val="lt1"/>
+          </a:fontRef>
+        </p:style>
+        <p:txBody>
+          <a:bodyPr rtlCol="0" anchor="ctr"/>
+          <a:lstStyle/>
+          <a:p>
+            <a:pPr algn="ctr"/>
+            <a:r>
+              <a:rPr kumimoji="1" lang="ja-JP" altLang="en-US" dirty="0" smtClean="0"/>
+              <a:t>生ビール：２５０円</a:t>
+            </a:r>
+            <a:endParaRPr kumimoji="1" lang="en-US" altLang="ja-JP" dirty="0" smtClean="0"/>
+          </a:p>
+          <a:p>
+            <a:pPr algn="ctr"/>
+            <a:r>
+              <a:rPr kumimoji="1" lang="ja-JP" altLang="en-US" dirty="0" smtClean="0"/>
+              <a:t>ククルラム：５００円</a:t>
+            </a:r>
+            <a:endParaRPr kumimoji="1" lang="en-US" altLang="ja-JP" dirty="0" smtClean="0"/>
+          </a:p>
+          <a:p>
+            <a:pPr algn="ctr"/>
+            <a:r>
+              <a:rPr kumimoji="1" lang="ja-JP" altLang="en-US" dirty="0" smtClean="0"/>
+              <a:t>ワイン：４５０円</a:t>
+            </a:r>
+            <a:endParaRPr kumimoji="1" lang="en-US" altLang="ja-JP" dirty="0" smtClean="0"/>
+          </a:p>
+          <a:p>
+            <a:pPr algn="ctr"/>
+            <a:r>
+              <a:rPr kumimoji="1" lang="ja-JP" altLang="en-US" dirty="0" smtClean="0"/>
+              <a:t>ウイスキー</a:t>
+            </a:r>
+            <a:r>
+              <a:rPr kumimoji="1" lang="ja-JP" altLang="en-US" dirty="0"/>
+              <a:t>：５００円</a:t>
+            </a:r>
+          </a:p>
+        </p:txBody>
+      </p:sp>
+      <p:sp>
+        <p:nvSpPr>
+          <p:cNvPr id="4" name="楕円 3"/>
+          <p:cNvSpPr/>
+          <p:nvPr/>
+        </p:nvSpPr>
+        <p:spPr>
+          <a:xfrm>
+            <a:off x="7295604" y="3474721"/>
+            <a:ext cx="4082145" cy="2939142"/>
+          </a:xfrm>
+          <a:prstGeom prst="ellipse">
+            <a:avLst/>
+          </a:prstGeom>
+        </p:spPr>
+        <p:style>
+          <a:lnRef idx="2">
+            <a:schemeClr val="accent1">
+              <a:shade val="50000"/>
+            </a:schemeClr>
+          </a:lnRef>
+          <a:fillRef idx="1">
+            <a:schemeClr val="accent1"/>
+          </a:fillRef>
+          <a:effectRef idx="0">
+            <a:schemeClr val="accent1"/>
+          </a:effectRef>
+          <a:fontRef idx="minor">
+            <a:schemeClr val="lt1"/>
+          </a:fontRef>
+        </p:style>
+        <p:txBody>
+          <a:bodyPr rtlCol="0" anchor="ctr"/>
+          <a:lstStyle/>
+          <a:p>
+            <a:pPr algn="ctr"/>
+            <a:r>
+              <a:rPr kumimoji="1" lang="ja-JP" altLang="en-US" dirty="0" smtClean="0"/>
+              <a:t>コーラ：２００円</a:t>
+            </a:r>
+            <a:endParaRPr kumimoji="1" lang="en-US" altLang="ja-JP" dirty="0" smtClean="0"/>
+          </a:p>
+          <a:p>
+            <a:pPr algn="ctr"/>
+            <a:r>
+              <a:rPr kumimoji="1" lang="en-US" altLang="ja-JP" dirty="0" smtClean="0"/>
+              <a:t>	</a:t>
+            </a:r>
+            <a:r>
+              <a:rPr kumimoji="1" lang="ja-JP" altLang="en-US" dirty="0" smtClean="0"/>
+              <a:t>オレンジジュース：２００円</a:t>
+            </a:r>
+            <a:endParaRPr kumimoji="1" lang="en-US" altLang="ja-JP" dirty="0" smtClean="0"/>
+          </a:p>
+          <a:p>
+            <a:pPr algn="ctr"/>
+            <a:r>
+              <a:rPr kumimoji="1" lang="ja-JP" altLang="en-US" dirty="0" smtClean="0"/>
+              <a:t>ラッツ：</a:t>
+            </a:r>
+            <a:r>
+              <a:rPr kumimoji="1" lang="ja-JP" altLang="en-US" dirty="0"/>
+              <a:t>２００円</a:t>
+            </a:r>
+          </a:p>
+        </p:txBody>
+      </p:sp>
+      <p:pic>
+        <p:nvPicPr>
+          <p:cNvPr id="5" name="図 4"/>
+          <p:cNvPicPr>
+            <a:picLocks noChangeAspect="1"/>
+          </p:cNvPicPr>
+          <p:nvPr/>
+        </p:nvPicPr>
+        <p:blipFill>
+          <a:blip r:embed="rId2">
+            <a:extLst>
+              <a:ext uri="{28A0092B-C50C-407E-A947-70E740481C1C}">
+                <a14:useLocalDpi xmlns:a14="http://schemas.microsoft.com/office/drawing/2010/main" val="0"/>
+              </a:ext>
+            </a:extLst>
+          </a:blip>
+          <a:stretch>
+            <a:fillRect/>
+          </a:stretch>
+        </p:blipFill>
+        <p:spPr>
+          <a:xfrm>
+            <a:off x="143691" y="3062178"/>
+            <a:ext cx="7027818" cy="3795822"/>
+          </a:xfrm>
+          <a:prstGeom prst="rect">
+            <a:avLst/>
+          </a:prstGeom>
+        </p:spPr>
+      </p:pic>
+    </p:spTree>
+    <p:extLst>
+      <p:ext uri="{BB962C8B-B14F-4D97-AF65-F5344CB8AC3E}">
+        <p14:creationId xmlns:p14="http://schemas.microsoft.com/office/powerpoint/2010/main" val="3802961992"/>
+      </p:ext>
+    </p:extLst>
+  </p:cSld>
+  <p:clrMapOvr>
+    <a:masterClrMapping/>
+  </p:clrMapOvr>
+</p:sld>
+</file>
+
+<file path=ppt/slides/slide5.xml><?xml version="1.0" encoding="utf-8"?>
 <p:sld xmlns:a="http://schemas.openxmlformats.org/drawingml/2006/main" xmlns:r="http://schemas.openxmlformats.org/officeDocument/2006/relationships" xmlns:p="http://schemas.openxmlformats.org/presentationml/2006/main">
   <p:cSld>
     <p:spTree>
